--- a/Bachelor_aktueller_stand.pptx
+++ b/Bachelor_aktueller_stand.pptx
@@ -274,7 +274,7 @@
           <a:p>
             <a:fld id="{626B656E-6DE3-4470-BD14-B239097B3A5B}" type="datetimeFigureOut">
               <a:rPr lang="de-DE" smtClean="0"/>
-              <a:t>09.06.2025</a:t>
+              <a:t>12.06.2025</a:t>
             </a:fld>
             <a:endParaRPr lang="de-DE"/>
           </a:p>
@@ -472,7 +472,7 @@
           <a:p>
             <a:fld id="{626B656E-6DE3-4470-BD14-B239097B3A5B}" type="datetimeFigureOut">
               <a:rPr lang="de-DE" smtClean="0"/>
-              <a:t>09.06.2025</a:t>
+              <a:t>12.06.2025</a:t>
             </a:fld>
             <a:endParaRPr lang="de-DE"/>
           </a:p>
@@ -680,7 +680,7 @@
           <a:p>
             <a:fld id="{626B656E-6DE3-4470-BD14-B239097B3A5B}" type="datetimeFigureOut">
               <a:rPr lang="de-DE" smtClean="0"/>
-              <a:t>09.06.2025</a:t>
+              <a:t>12.06.2025</a:t>
             </a:fld>
             <a:endParaRPr lang="de-DE"/>
           </a:p>
@@ -878,7 +878,7 @@
           <a:p>
             <a:fld id="{626B656E-6DE3-4470-BD14-B239097B3A5B}" type="datetimeFigureOut">
               <a:rPr lang="de-DE" smtClean="0"/>
-              <a:t>09.06.2025</a:t>
+              <a:t>12.06.2025</a:t>
             </a:fld>
             <a:endParaRPr lang="de-DE"/>
           </a:p>
@@ -1153,7 +1153,7 @@
           <a:p>
             <a:fld id="{626B656E-6DE3-4470-BD14-B239097B3A5B}" type="datetimeFigureOut">
               <a:rPr lang="de-DE" smtClean="0"/>
-              <a:t>09.06.2025</a:t>
+              <a:t>12.06.2025</a:t>
             </a:fld>
             <a:endParaRPr lang="de-DE"/>
           </a:p>
@@ -1418,7 +1418,7 @@
           <a:p>
             <a:fld id="{626B656E-6DE3-4470-BD14-B239097B3A5B}" type="datetimeFigureOut">
               <a:rPr lang="de-DE" smtClean="0"/>
-              <a:t>09.06.2025</a:t>
+              <a:t>12.06.2025</a:t>
             </a:fld>
             <a:endParaRPr lang="de-DE"/>
           </a:p>
@@ -1830,7 +1830,7 @@
           <a:p>
             <a:fld id="{626B656E-6DE3-4470-BD14-B239097B3A5B}" type="datetimeFigureOut">
               <a:rPr lang="de-DE" smtClean="0"/>
-              <a:t>09.06.2025</a:t>
+              <a:t>12.06.2025</a:t>
             </a:fld>
             <a:endParaRPr lang="de-DE"/>
           </a:p>
@@ -1971,7 +1971,7 @@
           <a:p>
             <a:fld id="{626B656E-6DE3-4470-BD14-B239097B3A5B}" type="datetimeFigureOut">
               <a:rPr lang="de-DE" smtClean="0"/>
-              <a:t>09.06.2025</a:t>
+              <a:t>12.06.2025</a:t>
             </a:fld>
             <a:endParaRPr lang="de-DE"/>
           </a:p>
@@ -2084,7 +2084,7 @@
           <a:p>
             <a:fld id="{626B656E-6DE3-4470-BD14-B239097B3A5B}" type="datetimeFigureOut">
               <a:rPr lang="de-DE" smtClean="0"/>
-              <a:t>09.06.2025</a:t>
+              <a:t>12.06.2025</a:t>
             </a:fld>
             <a:endParaRPr lang="de-DE"/>
           </a:p>
@@ -2395,7 +2395,7 @@
           <a:p>
             <a:fld id="{626B656E-6DE3-4470-BD14-B239097B3A5B}" type="datetimeFigureOut">
               <a:rPr lang="de-DE" smtClean="0"/>
-              <a:t>09.06.2025</a:t>
+              <a:t>12.06.2025</a:t>
             </a:fld>
             <a:endParaRPr lang="de-DE"/>
           </a:p>
@@ -2683,7 +2683,7 @@
           <a:p>
             <a:fld id="{626B656E-6DE3-4470-BD14-B239097B3A5B}" type="datetimeFigureOut">
               <a:rPr lang="de-DE" smtClean="0"/>
-              <a:t>09.06.2025</a:t>
+              <a:t>12.06.2025</a:t>
             </a:fld>
             <a:endParaRPr lang="de-DE"/>
           </a:p>
@@ -2924,7 +2924,7 @@
           <a:p>
             <a:fld id="{626B656E-6DE3-4470-BD14-B239097B3A5B}" type="datetimeFigureOut">
               <a:rPr lang="de-DE" smtClean="0"/>
-              <a:t>09.06.2025</a:t>
+              <a:t>12.06.2025</a:t>
             </a:fld>
             <a:endParaRPr lang="de-DE"/>
           </a:p>
@@ -4271,15 +4271,97 @@
             <a:spLocks noGrp="1"/>
           </p:cNvSpPr>
           <p:nvPr>
-            <p:ph idx="1"/>
-          </p:nvPr>
-        </p:nvSpPr>
-        <p:spPr/>
-        <p:txBody>
-          <a:bodyPr/>
-          <a:lstStyle/>
-          <a:p>
-            <a:endParaRPr lang="de-DE"/>
+            <p:ph sz="half" idx="1"/>
+          </p:nvPr>
+        </p:nvSpPr>
+        <p:spPr/>
+        <p:txBody>
+          <a:bodyPr/>
+          <a:lstStyle/>
+          <a:p>
+            <a:r>
+              <a:rPr lang="de-DE" dirty="0" err="1"/>
+              <a:t>Riskomanagment</a:t>
+            </a:r>
+            <a:endParaRPr lang="de-DE" dirty="0"/>
+          </a:p>
+          <a:p>
+            <a:r>
+              <a:rPr lang="de-DE" dirty="0"/>
+              <a:t>„Alles aus dieser Präsentation“</a:t>
+            </a:r>
+          </a:p>
+          <a:p>
+            <a:pPr lvl="1"/>
+            <a:r>
+              <a:rPr lang="de-DE" dirty="0"/>
+              <a:t>Modelle</a:t>
+            </a:r>
+          </a:p>
+          <a:p>
+            <a:pPr lvl="1"/>
+            <a:r>
+              <a:rPr lang="de-DE" dirty="0"/>
+              <a:t>PCA</a:t>
+            </a:r>
+          </a:p>
+          <a:p>
+            <a:pPr lvl="1"/>
+            <a:r>
+              <a:rPr lang="de-DE" dirty="0"/>
+              <a:t>Regimes</a:t>
+            </a:r>
+          </a:p>
+          <a:p>
+            <a:pPr lvl="1"/>
+            <a:r>
+              <a:rPr lang="de-DE" dirty="0"/>
+              <a:t>...</a:t>
+            </a:r>
+          </a:p>
+          <a:p>
+            <a:r>
+              <a:rPr lang="de-DE" dirty="0"/>
+              <a:t>Vergleich mit Traditionellen Strategien</a:t>
+            </a:r>
+          </a:p>
+          <a:p>
+            <a:pPr lvl="1"/>
+            <a:endParaRPr lang="de-DE" dirty="0"/>
+          </a:p>
+        </p:txBody>
+      </p:sp>
+      <p:sp>
+        <p:nvSpPr>
+          <p:cNvPr id="4" name="Inhaltsplatzhalter 3">
+            <a:extLst>
+              <a:ext uri="{FF2B5EF4-FFF2-40B4-BE49-F238E27FC236}">
+                <a16:creationId xmlns:a16="http://schemas.microsoft.com/office/drawing/2014/main" id="{E6BE3D28-6E45-D0A3-19D0-6F392E287CC8}"/>
+              </a:ext>
+            </a:extLst>
+          </p:cNvPr>
+          <p:cNvSpPr>
+            <a:spLocks noGrp="1"/>
+          </p:cNvSpPr>
+          <p:nvPr>
+            <p:ph sz="half" idx="2"/>
+          </p:nvPr>
+        </p:nvSpPr>
+        <p:spPr/>
+        <p:txBody>
+          <a:bodyPr/>
+          <a:lstStyle/>
+          <a:p>
+            <a:r>
+              <a:rPr lang="de-DE" dirty="0"/>
+              <a:t>Anbindung an Broker + 1 Woche Live-Test</a:t>
+            </a:r>
+          </a:p>
+          <a:p>
+            <a:r>
+              <a:rPr lang="de-DE" dirty="0"/>
+              <a:t>KI-Signalvalidierung durch TA oder Hypermodell</a:t>
+            </a:r>
           </a:p>
         </p:txBody>
       </p:sp>

--- a/Bachelor_aktueller_stand.pptx
+++ b/Bachelor_aktueller_stand.pptx
@@ -20,7 +20,11 @@
     <p:sldId id="269" r:id="rId14"/>
     <p:sldId id="270" r:id="rId15"/>
     <p:sldId id="271" r:id="rId16"/>
-    <p:sldId id="272" r:id="rId17"/>
+    <p:sldId id="276" r:id="rId17"/>
+    <p:sldId id="272" r:id="rId18"/>
+    <p:sldId id="275" r:id="rId19"/>
+    <p:sldId id="273" r:id="rId20"/>
+    <p:sldId id="274" r:id="rId21"/>
   </p:sldIdLst>
   <p:sldSz cx="12192000" cy="6858000"/>
   <p:notesSz cx="6858000" cy="9144000"/>
@@ -274,7 +278,7 @@
           <a:p>
             <a:fld id="{626B656E-6DE3-4470-BD14-B239097B3A5B}" type="datetimeFigureOut">
               <a:rPr lang="de-DE" smtClean="0"/>
-              <a:t>12.06.2025</a:t>
+              <a:t>13.06.2025</a:t>
             </a:fld>
             <a:endParaRPr lang="de-DE"/>
           </a:p>
@@ -472,7 +476,7 @@
           <a:p>
             <a:fld id="{626B656E-6DE3-4470-BD14-B239097B3A5B}" type="datetimeFigureOut">
               <a:rPr lang="de-DE" smtClean="0"/>
-              <a:t>12.06.2025</a:t>
+              <a:t>13.06.2025</a:t>
             </a:fld>
             <a:endParaRPr lang="de-DE"/>
           </a:p>
@@ -680,7 +684,7 @@
           <a:p>
             <a:fld id="{626B656E-6DE3-4470-BD14-B239097B3A5B}" type="datetimeFigureOut">
               <a:rPr lang="de-DE" smtClean="0"/>
-              <a:t>12.06.2025</a:t>
+              <a:t>13.06.2025</a:t>
             </a:fld>
             <a:endParaRPr lang="de-DE"/>
           </a:p>
@@ -878,7 +882,7 @@
           <a:p>
             <a:fld id="{626B656E-6DE3-4470-BD14-B239097B3A5B}" type="datetimeFigureOut">
               <a:rPr lang="de-DE" smtClean="0"/>
-              <a:t>12.06.2025</a:t>
+              <a:t>13.06.2025</a:t>
             </a:fld>
             <a:endParaRPr lang="de-DE"/>
           </a:p>
@@ -1153,7 +1157,7 @@
           <a:p>
             <a:fld id="{626B656E-6DE3-4470-BD14-B239097B3A5B}" type="datetimeFigureOut">
               <a:rPr lang="de-DE" smtClean="0"/>
-              <a:t>12.06.2025</a:t>
+              <a:t>13.06.2025</a:t>
             </a:fld>
             <a:endParaRPr lang="de-DE"/>
           </a:p>
@@ -1418,7 +1422,7 @@
           <a:p>
             <a:fld id="{626B656E-6DE3-4470-BD14-B239097B3A5B}" type="datetimeFigureOut">
               <a:rPr lang="de-DE" smtClean="0"/>
-              <a:t>12.06.2025</a:t>
+              <a:t>13.06.2025</a:t>
             </a:fld>
             <a:endParaRPr lang="de-DE"/>
           </a:p>
@@ -1830,7 +1834,7 @@
           <a:p>
             <a:fld id="{626B656E-6DE3-4470-BD14-B239097B3A5B}" type="datetimeFigureOut">
               <a:rPr lang="de-DE" smtClean="0"/>
-              <a:t>12.06.2025</a:t>
+              <a:t>13.06.2025</a:t>
             </a:fld>
             <a:endParaRPr lang="de-DE"/>
           </a:p>
@@ -1971,7 +1975,7 @@
           <a:p>
             <a:fld id="{626B656E-6DE3-4470-BD14-B239097B3A5B}" type="datetimeFigureOut">
               <a:rPr lang="de-DE" smtClean="0"/>
-              <a:t>12.06.2025</a:t>
+              <a:t>13.06.2025</a:t>
             </a:fld>
             <a:endParaRPr lang="de-DE"/>
           </a:p>
@@ -2084,7 +2088,7 @@
           <a:p>
             <a:fld id="{626B656E-6DE3-4470-BD14-B239097B3A5B}" type="datetimeFigureOut">
               <a:rPr lang="de-DE" smtClean="0"/>
-              <a:t>12.06.2025</a:t>
+              <a:t>13.06.2025</a:t>
             </a:fld>
             <a:endParaRPr lang="de-DE"/>
           </a:p>
@@ -2395,7 +2399,7 @@
           <a:p>
             <a:fld id="{626B656E-6DE3-4470-BD14-B239097B3A5B}" type="datetimeFigureOut">
               <a:rPr lang="de-DE" smtClean="0"/>
-              <a:t>12.06.2025</a:t>
+              <a:t>13.06.2025</a:t>
             </a:fld>
             <a:endParaRPr lang="de-DE"/>
           </a:p>
@@ -2683,7 +2687,7 @@
           <a:p>
             <a:fld id="{626B656E-6DE3-4470-BD14-B239097B3A5B}" type="datetimeFigureOut">
               <a:rPr lang="de-DE" smtClean="0"/>
-              <a:t>12.06.2025</a:t>
+              <a:t>13.06.2025</a:t>
             </a:fld>
             <a:endParaRPr lang="de-DE"/>
           </a:p>
@@ -2924,7 +2928,7 @@
           <a:p>
             <a:fld id="{626B656E-6DE3-4470-BD14-B239097B3A5B}" type="datetimeFigureOut">
               <a:rPr lang="de-DE" smtClean="0"/>
-              <a:t>12.06.2025</a:t>
+              <a:t>13.06.2025</a:t>
             </a:fld>
             <a:endParaRPr lang="de-DE"/>
           </a:p>
@@ -4166,10 +4170,10 @@
       </p:sp>
       <p:pic>
         <p:nvPicPr>
-          <p:cNvPr id="4" name="Grafik 3" descr="Ein Bild, das Text, Screenshot, Diagramm, Design enthält.&#10;&#10;KI-generierte Inhalte können fehlerhaft sein.">
-            <a:extLst>
-              <a:ext uri="{FF2B5EF4-FFF2-40B4-BE49-F238E27FC236}">
-                <a16:creationId xmlns:a16="http://schemas.microsoft.com/office/drawing/2014/main" id="{A43EB8ED-60E7-6C8A-5CD7-8E7AA02E0854}"/>
+          <p:cNvPr id="5" name="Grafik 4" descr="Ein Bild, das Text, Screenshot, Software, Grafiksoftware enthält.&#10;&#10;KI-generierte Inhalte können fehlerhaft sein.">
+            <a:extLst>
+              <a:ext uri="{FF2B5EF4-FFF2-40B4-BE49-F238E27FC236}">
+                <a16:creationId xmlns:a16="http://schemas.microsoft.com/office/drawing/2014/main" id="{787A02D3-2EBA-D43E-8E72-975A90298CCB}"/>
               </a:ext>
             </a:extLst>
           </p:cNvPr>
@@ -4192,8 +4196,8 @@
         </p:blipFill>
         <p:spPr>
           <a:xfrm>
-            <a:off x="550984" y="660400"/>
-            <a:ext cx="11090031" cy="6007100"/>
+            <a:off x="0" y="505372"/>
+            <a:ext cx="12192000" cy="6604000"/>
           </a:xfrm>
           <a:prstGeom prst="rect">
             <a:avLst/>
@@ -4235,6 +4239,117 @@
           <p:cNvPr id="2" name="Titel 1">
             <a:extLst>
               <a:ext uri="{FF2B5EF4-FFF2-40B4-BE49-F238E27FC236}">
+                <a16:creationId xmlns:a16="http://schemas.microsoft.com/office/drawing/2014/main" id="{6F6BBC3C-4F8B-E072-9E7B-33183A69E21B}"/>
+              </a:ext>
+            </a:extLst>
+          </p:cNvPr>
+          <p:cNvSpPr>
+            <a:spLocks noGrp="1"/>
+          </p:cNvSpPr>
+          <p:nvPr>
+            <p:ph type="title"/>
+          </p:nvPr>
+        </p:nvSpPr>
+        <p:spPr>
+          <a:xfrm>
+            <a:off x="838200" y="-460498"/>
+            <a:ext cx="10515600" cy="1325563"/>
+          </a:xfrm>
+        </p:spPr>
+        <p:txBody>
+          <a:bodyPr/>
+          <a:lstStyle/>
+          <a:p>
+            <a:r>
+              <a:rPr lang="de-DE" dirty="0" err="1"/>
+              <a:t>ByBit</a:t>
+            </a:r>
+            <a:r>
+              <a:rPr lang="de-DE" dirty="0"/>
+              <a:t> Open-Limit, TP Limit, </a:t>
+            </a:r>
+            <a:r>
+              <a:rPr lang="de-DE" dirty="0" err="1"/>
+              <a:t>Stop</a:t>
+            </a:r>
+            <a:r>
+              <a:rPr lang="de-DE" dirty="0"/>
+              <a:t> Market</a:t>
+            </a:r>
+          </a:p>
+        </p:txBody>
+      </p:sp>
+      <p:pic>
+        <p:nvPicPr>
+          <p:cNvPr id="4" name="Grafik 3" descr="Ein Bild, das Text, Screenshot, Diagramm, Reihe enthält.&#10;&#10;KI-generierte Inhalte können fehlerhaft sein.">
+            <a:extLst>
+              <a:ext uri="{FF2B5EF4-FFF2-40B4-BE49-F238E27FC236}">
+                <a16:creationId xmlns:a16="http://schemas.microsoft.com/office/drawing/2014/main" id="{AEC701C8-940B-9E95-E2EB-901DDDFA1560}"/>
+              </a:ext>
+            </a:extLst>
+          </p:cNvPr>
+          <p:cNvPicPr>
+            <a:picLocks noChangeAspect="1"/>
+          </p:cNvPicPr>
+          <p:nvPr/>
+        </p:nvPicPr>
+        <p:blipFill>
+          <a:blip r:embed="rId2">
+            <a:extLst>
+              <a:ext uri="{28A0092B-C50C-407E-A947-70E740481C1C}">
+                <a14:useLocalDpi xmlns:a14="http://schemas.microsoft.com/office/drawing/2010/main" val="0"/>
+              </a:ext>
+            </a:extLst>
+          </a:blip>
+          <a:stretch>
+            <a:fillRect/>
+          </a:stretch>
+        </p:blipFill>
+        <p:spPr>
+          <a:xfrm>
+            <a:off x="0" y="475791"/>
+            <a:ext cx="12192000" cy="6604000"/>
+          </a:xfrm>
+          <a:prstGeom prst="rect">
+            <a:avLst/>
+          </a:prstGeom>
+        </p:spPr>
+      </p:pic>
+    </p:spTree>
+    <p:extLst>
+      <p:ext uri="{BB962C8B-B14F-4D97-AF65-F5344CB8AC3E}">
+        <p14:creationId xmlns:p14="http://schemas.microsoft.com/office/powerpoint/2010/main" val="2394378191"/>
+      </p:ext>
+    </p:extLst>
+  </p:cSld>
+  <p:clrMapOvr>
+    <a:masterClrMapping/>
+  </p:clrMapOvr>
+</p:sld>
+</file>
+
+<file path=ppt/slides/slide17.xml><?xml version="1.0" encoding="utf-8"?>
+<p:sld xmlns:a="http://schemas.openxmlformats.org/drawingml/2006/main" xmlns:r="http://schemas.openxmlformats.org/officeDocument/2006/relationships" xmlns:p="http://schemas.openxmlformats.org/presentationml/2006/main">
+  <p:cSld>
+    <p:spTree>
+      <p:nvGrpSpPr>
+        <p:cNvPr id="1" name=""/>
+        <p:cNvGrpSpPr/>
+        <p:nvPr/>
+      </p:nvGrpSpPr>
+      <p:grpSpPr>
+        <a:xfrm>
+          <a:off x="0" y="0"/>
+          <a:ext cx="0" cy="0"/>
+          <a:chOff x="0" y="0"/>
+          <a:chExt cx="0" cy="0"/>
+        </a:xfrm>
+      </p:grpSpPr>
+      <p:sp>
+        <p:nvSpPr>
+          <p:cNvPr id="2" name="Titel 1">
+            <a:extLst>
+              <a:ext uri="{FF2B5EF4-FFF2-40B4-BE49-F238E27FC236}">
                 <a16:creationId xmlns:a16="http://schemas.microsoft.com/office/drawing/2014/main" id="{7CD3C0D8-BD1A-3815-3002-5B9CC110158D}"/>
               </a:ext>
             </a:extLst>
@@ -4369,6 +4484,247 @@
     <p:extLst>
       <p:ext uri="{BB962C8B-B14F-4D97-AF65-F5344CB8AC3E}">
         <p14:creationId xmlns:p14="http://schemas.microsoft.com/office/powerpoint/2010/main" val="808443473"/>
+      </p:ext>
+    </p:extLst>
+  </p:cSld>
+  <p:clrMapOvr>
+    <a:masterClrMapping/>
+  </p:clrMapOvr>
+</p:sld>
+</file>
+
+<file path=ppt/slides/slide18.xml><?xml version="1.0" encoding="utf-8"?>
+<p:sld xmlns:a="http://schemas.openxmlformats.org/drawingml/2006/main" xmlns:r="http://schemas.openxmlformats.org/officeDocument/2006/relationships" xmlns:p="http://schemas.openxmlformats.org/presentationml/2006/main">
+  <p:cSld>
+    <p:spTree>
+      <p:nvGrpSpPr>
+        <p:cNvPr id="1" name=""/>
+        <p:cNvGrpSpPr/>
+        <p:nvPr/>
+      </p:nvGrpSpPr>
+      <p:grpSpPr>
+        <a:xfrm>
+          <a:off x="0" y="0"/>
+          <a:ext cx="0" cy="0"/>
+          <a:chOff x="0" y="0"/>
+          <a:chExt cx="0" cy="0"/>
+        </a:xfrm>
+      </p:grpSpPr>
+      <p:sp>
+        <p:nvSpPr>
+          <p:cNvPr id="2" name="Titel 1">
+            <a:extLst>
+              <a:ext uri="{FF2B5EF4-FFF2-40B4-BE49-F238E27FC236}">
+                <a16:creationId xmlns:a16="http://schemas.microsoft.com/office/drawing/2014/main" id="{B1076D9C-61B3-AB28-2D4C-AC10FD811D30}"/>
+              </a:ext>
+            </a:extLst>
+          </p:cNvPr>
+          <p:cNvSpPr>
+            <a:spLocks noGrp="1"/>
+          </p:cNvSpPr>
+          <p:nvPr>
+            <p:ph type="title"/>
+          </p:nvPr>
+        </p:nvSpPr>
+        <p:spPr/>
+        <p:txBody>
+          <a:bodyPr/>
+          <a:lstStyle/>
+          <a:p>
+            <a:r>
+              <a:rPr lang="de-DE" dirty="0"/>
+              <a:t>Haben Sie noch Ideen?</a:t>
+            </a:r>
+          </a:p>
+        </p:txBody>
+      </p:sp>
+      <p:sp>
+        <p:nvSpPr>
+          <p:cNvPr id="3" name="Inhaltsplatzhalter 2">
+            <a:extLst>
+              <a:ext uri="{FF2B5EF4-FFF2-40B4-BE49-F238E27FC236}">
+                <a16:creationId xmlns:a16="http://schemas.microsoft.com/office/drawing/2014/main" id="{2818F7BE-FB92-16F7-BCCC-03434A41AB16}"/>
+              </a:ext>
+            </a:extLst>
+          </p:cNvPr>
+          <p:cNvSpPr>
+            <a:spLocks noGrp="1"/>
+          </p:cNvSpPr>
+          <p:nvPr>
+            <p:ph sz="half" idx="1"/>
+          </p:nvPr>
+        </p:nvSpPr>
+        <p:spPr/>
+        <p:txBody>
+          <a:bodyPr/>
+          <a:lstStyle/>
+          <a:p>
+            <a:r>
+              <a:rPr lang="de-DE" dirty="0"/>
+              <a:t>Welche Zusätzlichen Indikatoren könnte ich noch verwenden um Signal zu validieren?</a:t>
+            </a:r>
+          </a:p>
+          <a:p>
+            <a:r>
+              <a:rPr lang="de-DE" dirty="0"/>
+              <a:t>Sollte der Exit aus einem Trade nicht bei einem harten TP sein, sondern nach oben verschoben werden (Ähnlich wie </a:t>
+            </a:r>
+            <a:r>
+              <a:rPr lang="de-DE" dirty="0" err="1"/>
+              <a:t>Trailing</a:t>
+            </a:r>
+            <a:r>
+              <a:rPr lang="de-DE" dirty="0"/>
+              <a:t> </a:t>
+            </a:r>
+            <a:r>
+              <a:rPr lang="de-DE" dirty="0" err="1"/>
+              <a:t>Stop</a:t>
+            </a:r>
+            <a:r>
+              <a:rPr lang="de-DE" dirty="0"/>
+              <a:t>)</a:t>
+            </a:r>
+          </a:p>
+        </p:txBody>
+      </p:sp>
+      <p:pic>
+        <p:nvPicPr>
+          <p:cNvPr id="6" name="Inhaltsplatzhalter 5" descr="Ein Bild, das Reihe, Diagramm enthält.&#10;&#10;KI-generierte Inhalte können fehlerhaft sein.">
+            <a:extLst>
+              <a:ext uri="{FF2B5EF4-FFF2-40B4-BE49-F238E27FC236}">
+                <a16:creationId xmlns:a16="http://schemas.microsoft.com/office/drawing/2014/main" id="{E0CEB20D-4CE4-8A6C-28D9-2C26B5BCD0C4}"/>
+              </a:ext>
+            </a:extLst>
+          </p:cNvPr>
+          <p:cNvPicPr>
+            <a:picLocks noGrp="1" noChangeAspect="1"/>
+          </p:cNvPicPr>
+          <p:nvPr>
+            <p:ph sz="half" idx="2"/>
+          </p:nvPr>
+        </p:nvPicPr>
+        <p:blipFill>
+          <a:blip r:embed="rId2">
+            <a:extLst>
+              <a:ext uri="{28A0092B-C50C-407E-A947-70E740481C1C}">
+                <a14:useLocalDpi xmlns:a14="http://schemas.microsoft.com/office/drawing/2010/main" val="0"/>
+              </a:ext>
+            </a:extLst>
+          </a:blip>
+          <a:stretch>
+            <a:fillRect/>
+          </a:stretch>
+        </p:blipFill>
+        <p:spPr>
+          <a:xfrm>
+            <a:off x="6636575" y="1825625"/>
+            <a:ext cx="4252850" cy="4351338"/>
+          </a:xfrm>
+        </p:spPr>
+      </p:pic>
+    </p:spTree>
+    <p:extLst>
+      <p:ext uri="{BB962C8B-B14F-4D97-AF65-F5344CB8AC3E}">
+        <p14:creationId xmlns:p14="http://schemas.microsoft.com/office/powerpoint/2010/main" val="1678367009"/>
+      </p:ext>
+    </p:extLst>
+  </p:cSld>
+  <p:clrMapOvr>
+    <a:masterClrMapping/>
+  </p:clrMapOvr>
+</p:sld>
+</file>
+
+<file path=ppt/slides/slide19.xml><?xml version="1.0" encoding="utf-8"?>
+<p:sld xmlns:a="http://schemas.openxmlformats.org/drawingml/2006/main" xmlns:r="http://schemas.openxmlformats.org/officeDocument/2006/relationships" xmlns:p="http://schemas.openxmlformats.org/presentationml/2006/main">
+  <p:cSld>
+    <p:spTree>
+      <p:nvGrpSpPr>
+        <p:cNvPr id="1" name=""/>
+        <p:cNvGrpSpPr/>
+        <p:nvPr/>
+      </p:nvGrpSpPr>
+      <p:grpSpPr>
+        <a:xfrm>
+          <a:off x="0" y="0"/>
+          <a:ext cx="0" cy="0"/>
+          <a:chOff x="0" y="0"/>
+          <a:chExt cx="0" cy="0"/>
+        </a:xfrm>
+      </p:grpSpPr>
+      <p:sp>
+        <p:nvSpPr>
+          <p:cNvPr id="2" name="Titel 1">
+            <a:extLst>
+              <a:ext uri="{FF2B5EF4-FFF2-40B4-BE49-F238E27FC236}">
+                <a16:creationId xmlns:a16="http://schemas.microsoft.com/office/drawing/2014/main" id="{71B9F32A-924A-E34D-3B09-95B312727FC2}"/>
+              </a:ext>
+            </a:extLst>
+          </p:cNvPr>
+          <p:cNvSpPr>
+            <a:spLocks noGrp="1"/>
+          </p:cNvSpPr>
+          <p:nvPr>
+            <p:ph type="title"/>
+          </p:nvPr>
+        </p:nvSpPr>
+        <p:spPr>
+          <a:xfrm>
+            <a:off x="838200" y="-202426"/>
+            <a:ext cx="10515600" cy="1325563"/>
+          </a:xfrm>
+        </p:spPr>
+        <p:txBody>
+          <a:bodyPr/>
+          <a:lstStyle/>
+          <a:p>
+            <a:r>
+              <a:rPr lang="de-DE" dirty="0"/>
+              <a:t>Bollinger Band</a:t>
+            </a:r>
+          </a:p>
+        </p:txBody>
+      </p:sp>
+      <p:pic>
+        <p:nvPicPr>
+          <p:cNvPr id="6" name="Inhaltsplatzhalter 5" descr="Ein Bild, das Text, Screenshot, Diagramm, Reihe enthält.&#10;&#10;KI-generierte Inhalte können fehlerhaft sein.">
+            <a:extLst>
+              <a:ext uri="{FF2B5EF4-FFF2-40B4-BE49-F238E27FC236}">
+                <a16:creationId xmlns:a16="http://schemas.microsoft.com/office/drawing/2014/main" id="{E7D3C815-9E83-8120-D0CD-B76D4BC5B8E8}"/>
+              </a:ext>
+            </a:extLst>
+          </p:cNvPr>
+          <p:cNvPicPr>
+            <a:picLocks noGrp="1" noChangeAspect="1"/>
+          </p:cNvPicPr>
+          <p:nvPr>
+            <p:ph sz="half" idx="1"/>
+          </p:nvPr>
+        </p:nvPicPr>
+        <p:blipFill>
+          <a:blip r:embed="rId2">
+            <a:extLst>
+              <a:ext uri="{28A0092B-C50C-407E-A947-70E740481C1C}">
+                <a14:useLocalDpi xmlns:a14="http://schemas.microsoft.com/office/drawing/2010/main" val="0"/>
+              </a:ext>
+            </a:extLst>
+          </a:blip>
+          <a:stretch>
+            <a:fillRect/>
+          </a:stretch>
+        </p:blipFill>
+        <p:spPr>
+          <a:xfrm>
+            <a:off x="0" y="795205"/>
+            <a:ext cx="12461358" cy="6749902"/>
+          </a:xfrm>
+        </p:spPr>
+      </p:pic>
+    </p:spTree>
+    <p:extLst>
+      <p:ext uri="{BB962C8B-B14F-4D97-AF65-F5344CB8AC3E}">
+        <p14:creationId xmlns:p14="http://schemas.microsoft.com/office/powerpoint/2010/main" val="1316621947"/>
       </p:ext>
     </p:extLst>
   </p:cSld>
@@ -4589,6 +4945,109 @@
     <p:extLst>
       <p:ext uri="{BB962C8B-B14F-4D97-AF65-F5344CB8AC3E}">
         <p14:creationId xmlns:p14="http://schemas.microsoft.com/office/powerpoint/2010/main" val="69106330"/>
+      </p:ext>
+    </p:extLst>
+  </p:cSld>
+  <p:clrMapOvr>
+    <a:masterClrMapping/>
+  </p:clrMapOvr>
+</p:sld>
+</file>
+
+<file path=ppt/slides/slide20.xml><?xml version="1.0" encoding="utf-8"?>
+<p:sld xmlns:a="http://schemas.openxmlformats.org/drawingml/2006/main" xmlns:r="http://schemas.openxmlformats.org/officeDocument/2006/relationships" xmlns:p="http://schemas.openxmlformats.org/presentationml/2006/main">
+  <p:cSld>
+    <p:spTree>
+      <p:nvGrpSpPr>
+        <p:cNvPr id="1" name=""/>
+        <p:cNvGrpSpPr/>
+        <p:nvPr/>
+      </p:nvGrpSpPr>
+      <p:grpSpPr>
+        <a:xfrm>
+          <a:off x="0" y="0"/>
+          <a:ext cx="0" cy="0"/>
+          <a:chOff x="0" y="0"/>
+          <a:chExt cx="0" cy="0"/>
+        </a:xfrm>
+      </p:grpSpPr>
+      <p:sp>
+        <p:nvSpPr>
+          <p:cNvPr id="2" name="Titel 1">
+            <a:extLst>
+              <a:ext uri="{FF2B5EF4-FFF2-40B4-BE49-F238E27FC236}">
+                <a16:creationId xmlns:a16="http://schemas.microsoft.com/office/drawing/2014/main" id="{71B9F32A-924A-E34D-3B09-95B312727FC2}"/>
+              </a:ext>
+            </a:extLst>
+          </p:cNvPr>
+          <p:cNvSpPr>
+            <a:spLocks noGrp="1"/>
+          </p:cNvSpPr>
+          <p:nvPr>
+            <p:ph type="title"/>
+          </p:nvPr>
+        </p:nvSpPr>
+        <p:spPr>
+          <a:xfrm>
+            <a:off x="838200" y="-202426"/>
+            <a:ext cx="10515600" cy="1325563"/>
+          </a:xfrm>
+        </p:spPr>
+        <p:txBody>
+          <a:bodyPr/>
+          <a:lstStyle/>
+          <a:p>
+            <a:r>
+              <a:rPr lang="de-DE" dirty="0"/>
+              <a:t>Bollinger Band – Min </a:t>
+            </a:r>
+            <a:r>
+              <a:rPr lang="de-DE" dirty="0" err="1"/>
+              <a:t>Slope</a:t>
+            </a:r>
+            <a:endParaRPr lang="de-DE" dirty="0"/>
+          </a:p>
+        </p:txBody>
+      </p:sp>
+      <p:pic>
+        <p:nvPicPr>
+          <p:cNvPr id="6" name="Inhaltsplatzhalter 5" descr="Ein Bild, das Text, Screenshot, Diagramm, Reihe enthält.&#10;&#10;KI-generierte Inhalte können fehlerhaft sein.">
+            <a:extLst>
+              <a:ext uri="{FF2B5EF4-FFF2-40B4-BE49-F238E27FC236}">
+                <a16:creationId xmlns:a16="http://schemas.microsoft.com/office/drawing/2014/main" id="{E7D3C815-9E83-8120-D0CD-B76D4BC5B8E8}"/>
+              </a:ext>
+            </a:extLst>
+          </p:cNvPr>
+          <p:cNvPicPr>
+            <a:picLocks noGrp="1" noChangeAspect="1"/>
+          </p:cNvPicPr>
+          <p:nvPr>
+            <p:ph sz="half" idx="1"/>
+          </p:nvPr>
+        </p:nvPicPr>
+        <p:blipFill>
+          <a:blip r:embed="rId2">
+            <a:extLst>
+              <a:ext uri="{28A0092B-C50C-407E-A947-70E740481C1C}">
+                <a14:useLocalDpi xmlns:a14="http://schemas.microsoft.com/office/drawing/2010/main" val="0"/>
+              </a:ext>
+            </a:extLst>
+          </a:blip>
+          <a:stretch>
+            <a:fillRect/>
+          </a:stretch>
+        </p:blipFill>
+        <p:spPr>
+          <a:xfrm>
+            <a:off x="0" y="795205"/>
+            <a:ext cx="12461358" cy="6749902"/>
+          </a:xfrm>
+        </p:spPr>
+      </p:pic>
+    </p:spTree>
+    <p:extLst>
+      <p:ext uri="{BB962C8B-B14F-4D97-AF65-F5344CB8AC3E}">
+        <p14:creationId xmlns:p14="http://schemas.microsoft.com/office/powerpoint/2010/main" val="3570252175"/>
       </p:ext>
     </p:extLst>
   </p:cSld>

--- a/Bachelor_aktueller_stand.pptx
+++ b/Bachelor_aktueller_stand.pptx
@@ -25,6 +25,13 @@
     <p:sldId id="275" r:id="rId19"/>
     <p:sldId id="273" r:id="rId20"/>
     <p:sldId id="274" r:id="rId21"/>
+    <p:sldId id="284" r:id="rId22"/>
+    <p:sldId id="277" r:id="rId23"/>
+    <p:sldId id="278" r:id="rId24"/>
+    <p:sldId id="280" r:id="rId25"/>
+    <p:sldId id="281" r:id="rId26"/>
+    <p:sldId id="282" r:id="rId27"/>
+    <p:sldId id="283" r:id="rId28"/>
   </p:sldIdLst>
   <p:sldSz cx="12192000" cy="6858000"/>
   <p:notesSz cx="6858000" cy="9144000"/>
@@ -124,6 +131,45 @@
     </a:lvl9pPr>
   </p:defaultTextStyle>
   <p:extLst>
+    <p:ext uri="{521415D9-36F7-43E2-AB2F-B90AF26B5E84}">
+      <p14:sectionLst xmlns:p14="http://schemas.microsoft.com/office/powerpoint/2010/main">
+        <p14:section name="Erste Vorstellung" id="{F9254C07-3B3D-4BE4-AC7D-DC43CB593B50}">
+          <p14:sldIdLst>
+            <p14:sldId id="257"/>
+            <p14:sldId id="258"/>
+            <p14:sldId id="260"/>
+            <p14:sldId id="259"/>
+            <p14:sldId id="265"/>
+            <p14:sldId id="264"/>
+            <p14:sldId id="263"/>
+            <p14:sldId id="262"/>
+            <p14:sldId id="266"/>
+            <p14:sldId id="261"/>
+            <p14:sldId id="267"/>
+            <p14:sldId id="268"/>
+            <p14:sldId id="269"/>
+            <p14:sldId id="270"/>
+            <p14:sldId id="271"/>
+            <p14:sldId id="276"/>
+            <p14:sldId id="272"/>
+            <p14:sldId id="275"/>
+            <p14:sldId id="273"/>
+            <p14:sldId id="274"/>
+          </p14:sldIdLst>
+        </p14:section>
+        <p14:section name="Basic Strategien ohne AI" id="{21BC00C0-246D-4CA9-A7EB-16958135AD0D}">
+          <p14:sldIdLst>
+            <p14:sldId id="284"/>
+            <p14:sldId id="277"/>
+            <p14:sldId id="278"/>
+            <p14:sldId id="280"/>
+            <p14:sldId id="281"/>
+            <p14:sldId id="282"/>
+            <p14:sldId id="283"/>
+          </p14:sldIdLst>
+        </p14:section>
+      </p14:sectionLst>
+    </p:ext>
     <p:ext uri="{EFAFB233-063F-42B5-8137-9DF3F51BA10A}">
       <p15:sldGuideLst xmlns:p15="http://schemas.microsoft.com/office/powerpoint/2012/main"/>
     </p:ext>
@@ -278,7 +324,7 @@
           <a:p>
             <a:fld id="{626B656E-6DE3-4470-BD14-B239097B3A5B}" type="datetimeFigureOut">
               <a:rPr lang="de-DE" smtClean="0"/>
-              <a:t>13.06.2025</a:t>
+              <a:t>25.06.2025</a:t>
             </a:fld>
             <a:endParaRPr lang="de-DE"/>
           </a:p>
@@ -476,7 +522,7 @@
           <a:p>
             <a:fld id="{626B656E-6DE3-4470-BD14-B239097B3A5B}" type="datetimeFigureOut">
               <a:rPr lang="de-DE" smtClean="0"/>
-              <a:t>13.06.2025</a:t>
+              <a:t>25.06.2025</a:t>
             </a:fld>
             <a:endParaRPr lang="de-DE"/>
           </a:p>
@@ -684,7 +730,7 @@
           <a:p>
             <a:fld id="{626B656E-6DE3-4470-BD14-B239097B3A5B}" type="datetimeFigureOut">
               <a:rPr lang="de-DE" smtClean="0"/>
-              <a:t>13.06.2025</a:t>
+              <a:t>25.06.2025</a:t>
             </a:fld>
             <a:endParaRPr lang="de-DE"/>
           </a:p>
@@ -882,7 +928,7 @@
           <a:p>
             <a:fld id="{626B656E-6DE3-4470-BD14-B239097B3A5B}" type="datetimeFigureOut">
               <a:rPr lang="de-DE" smtClean="0"/>
-              <a:t>13.06.2025</a:t>
+              <a:t>25.06.2025</a:t>
             </a:fld>
             <a:endParaRPr lang="de-DE"/>
           </a:p>
@@ -1157,7 +1203,7 @@
           <a:p>
             <a:fld id="{626B656E-6DE3-4470-BD14-B239097B3A5B}" type="datetimeFigureOut">
               <a:rPr lang="de-DE" smtClean="0"/>
-              <a:t>13.06.2025</a:t>
+              <a:t>25.06.2025</a:t>
             </a:fld>
             <a:endParaRPr lang="de-DE"/>
           </a:p>
@@ -1422,7 +1468,7 @@
           <a:p>
             <a:fld id="{626B656E-6DE3-4470-BD14-B239097B3A5B}" type="datetimeFigureOut">
               <a:rPr lang="de-DE" smtClean="0"/>
-              <a:t>13.06.2025</a:t>
+              <a:t>25.06.2025</a:t>
             </a:fld>
             <a:endParaRPr lang="de-DE"/>
           </a:p>
@@ -1834,7 +1880,7 @@
           <a:p>
             <a:fld id="{626B656E-6DE3-4470-BD14-B239097B3A5B}" type="datetimeFigureOut">
               <a:rPr lang="de-DE" smtClean="0"/>
-              <a:t>13.06.2025</a:t>
+              <a:t>25.06.2025</a:t>
             </a:fld>
             <a:endParaRPr lang="de-DE"/>
           </a:p>
@@ -1975,7 +2021,7 @@
           <a:p>
             <a:fld id="{626B656E-6DE3-4470-BD14-B239097B3A5B}" type="datetimeFigureOut">
               <a:rPr lang="de-DE" smtClean="0"/>
-              <a:t>13.06.2025</a:t>
+              <a:t>25.06.2025</a:t>
             </a:fld>
             <a:endParaRPr lang="de-DE"/>
           </a:p>
@@ -2088,7 +2134,7 @@
           <a:p>
             <a:fld id="{626B656E-6DE3-4470-BD14-B239097B3A5B}" type="datetimeFigureOut">
               <a:rPr lang="de-DE" smtClean="0"/>
-              <a:t>13.06.2025</a:t>
+              <a:t>25.06.2025</a:t>
             </a:fld>
             <a:endParaRPr lang="de-DE"/>
           </a:p>
@@ -2399,7 +2445,7 @@
           <a:p>
             <a:fld id="{626B656E-6DE3-4470-BD14-B239097B3A5B}" type="datetimeFigureOut">
               <a:rPr lang="de-DE" smtClean="0"/>
-              <a:t>13.06.2025</a:t>
+              <a:t>25.06.2025</a:t>
             </a:fld>
             <a:endParaRPr lang="de-DE"/>
           </a:p>
@@ -2687,7 +2733,7 @@
           <a:p>
             <a:fld id="{626B656E-6DE3-4470-BD14-B239097B3A5B}" type="datetimeFigureOut">
               <a:rPr lang="de-DE" smtClean="0"/>
-              <a:t>13.06.2025</a:t>
+              <a:t>25.06.2025</a:t>
             </a:fld>
             <a:endParaRPr lang="de-DE"/>
           </a:p>
@@ -2928,7 +2974,7 @@
           <a:p>
             <a:fld id="{626B656E-6DE3-4470-BD14-B239097B3A5B}" type="datetimeFigureOut">
               <a:rPr lang="de-DE" smtClean="0"/>
-              <a:t>13.06.2025</a:t>
+              <a:t>25.06.2025</a:t>
             </a:fld>
             <a:endParaRPr lang="de-DE"/>
           </a:p>
@@ -5048,6 +5094,721 @@
     <p:extLst>
       <p:ext uri="{BB962C8B-B14F-4D97-AF65-F5344CB8AC3E}">
         <p14:creationId xmlns:p14="http://schemas.microsoft.com/office/powerpoint/2010/main" val="3570252175"/>
+      </p:ext>
+    </p:extLst>
+  </p:cSld>
+  <p:clrMapOvr>
+    <a:masterClrMapping/>
+  </p:clrMapOvr>
+</p:sld>
+</file>
+
+<file path=ppt/slides/slide21.xml><?xml version="1.0" encoding="utf-8"?>
+<p:sld xmlns:a="http://schemas.openxmlformats.org/drawingml/2006/main" xmlns:r="http://schemas.openxmlformats.org/officeDocument/2006/relationships" xmlns:p="http://schemas.openxmlformats.org/presentationml/2006/main">
+  <p:cSld>
+    <p:spTree>
+      <p:nvGrpSpPr>
+        <p:cNvPr id="1" name=""/>
+        <p:cNvGrpSpPr/>
+        <p:nvPr/>
+      </p:nvGrpSpPr>
+      <p:grpSpPr>
+        <a:xfrm>
+          <a:off x="0" y="0"/>
+          <a:ext cx="0" cy="0"/>
+          <a:chOff x="0" y="0"/>
+          <a:chExt cx="0" cy="0"/>
+        </a:xfrm>
+      </p:grpSpPr>
+      <p:sp>
+        <p:nvSpPr>
+          <p:cNvPr id="2" name="Titel 1">
+            <a:extLst>
+              <a:ext uri="{FF2B5EF4-FFF2-40B4-BE49-F238E27FC236}">
+                <a16:creationId xmlns:a16="http://schemas.microsoft.com/office/drawing/2014/main" id="{57F3D6D1-48A7-253B-56D8-F2F75A1BAF23}"/>
+              </a:ext>
+            </a:extLst>
+          </p:cNvPr>
+          <p:cNvSpPr>
+            <a:spLocks noGrp="1"/>
+          </p:cNvSpPr>
+          <p:nvPr>
+            <p:ph type="title"/>
+          </p:nvPr>
+        </p:nvSpPr>
+        <p:spPr>
+          <a:xfrm>
+            <a:off x="827690" y="-307530"/>
+            <a:ext cx="10515600" cy="1325563"/>
+          </a:xfrm>
+        </p:spPr>
+        <p:txBody>
+          <a:bodyPr/>
+          <a:lstStyle/>
+          <a:p>
+            <a:r>
+              <a:rPr lang="de-DE" dirty="0"/>
+              <a:t>2 MA</a:t>
+            </a:r>
+          </a:p>
+        </p:txBody>
+      </p:sp>
+      <p:pic>
+        <p:nvPicPr>
+          <p:cNvPr id="7" name="Grafik 6" descr="Ein Bild, das Text, Reihe, Screenshot, Diagramm enthält.&#10;&#10;KI-generierte Inhalte können fehlerhaft sein.">
+            <a:extLst>
+              <a:ext uri="{FF2B5EF4-FFF2-40B4-BE49-F238E27FC236}">
+                <a16:creationId xmlns:a16="http://schemas.microsoft.com/office/drawing/2014/main" id="{B3D6CCF1-F7CC-3CA5-AEBA-7EA0F7936285}"/>
+              </a:ext>
+            </a:extLst>
+          </p:cNvPr>
+          <p:cNvPicPr>
+            <a:picLocks noChangeAspect="1"/>
+          </p:cNvPicPr>
+          <p:nvPr/>
+        </p:nvPicPr>
+        <p:blipFill>
+          <a:blip r:embed="rId2">
+            <a:extLst>
+              <a:ext uri="{28A0092B-C50C-407E-A947-70E740481C1C}">
+                <a14:useLocalDpi xmlns:a14="http://schemas.microsoft.com/office/drawing/2010/main" val="0"/>
+              </a:ext>
+            </a:extLst>
+          </a:blip>
+          <a:stretch>
+            <a:fillRect/>
+          </a:stretch>
+        </p:blipFill>
+        <p:spPr>
+          <a:xfrm>
+            <a:off x="1008992" y="673538"/>
+            <a:ext cx="11183007" cy="6057462"/>
+          </a:xfrm>
+          <a:prstGeom prst="rect">
+            <a:avLst/>
+          </a:prstGeom>
+        </p:spPr>
+      </p:pic>
+    </p:spTree>
+    <p:extLst>
+      <p:ext uri="{BB962C8B-B14F-4D97-AF65-F5344CB8AC3E}">
+        <p14:creationId xmlns:p14="http://schemas.microsoft.com/office/powerpoint/2010/main" val="2833860880"/>
+      </p:ext>
+    </p:extLst>
+  </p:cSld>
+  <p:clrMapOvr>
+    <a:masterClrMapping/>
+  </p:clrMapOvr>
+</p:sld>
+</file>
+
+<file path=ppt/slides/slide22.xml><?xml version="1.0" encoding="utf-8"?>
+<p:sld xmlns:a="http://schemas.openxmlformats.org/drawingml/2006/main" xmlns:r="http://schemas.openxmlformats.org/officeDocument/2006/relationships" xmlns:p="http://schemas.openxmlformats.org/presentationml/2006/main">
+  <p:cSld>
+    <p:spTree>
+      <p:nvGrpSpPr>
+        <p:cNvPr id="1" name=""/>
+        <p:cNvGrpSpPr/>
+        <p:nvPr/>
+      </p:nvGrpSpPr>
+      <p:grpSpPr>
+        <a:xfrm>
+          <a:off x="0" y="0"/>
+          <a:ext cx="0" cy="0"/>
+          <a:chOff x="0" y="0"/>
+          <a:chExt cx="0" cy="0"/>
+        </a:xfrm>
+      </p:grpSpPr>
+      <p:sp>
+        <p:nvSpPr>
+          <p:cNvPr id="2" name="Titel 1">
+            <a:extLst>
+              <a:ext uri="{FF2B5EF4-FFF2-40B4-BE49-F238E27FC236}">
+                <a16:creationId xmlns:a16="http://schemas.microsoft.com/office/drawing/2014/main" id="{57F3D6D1-48A7-253B-56D8-F2F75A1BAF23}"/>
+              </a:ext>
+            </a:extLst>
+          </p:cNvPr>
+          <p:cNvSpPr>
+            <a:spLocks noGrp="1"/>
+          </p:cNvSpPr>
+          <p:nvPr>
+            <p:ph type="title"/>
+          </p:nvPr>
+        </p:nvSpPr>
+        <p:spPr>
+          <a:xfrm>
+            <a:off x="827690" y="-307530"/>
+            <a:ext cx="10515600" cy="1325563"/>
+          </a:xfrm>
+        </p:spPr>
+        <p:txBody>
+          <a:bodyPr/>
+          <a:lstStyle/>
+          <a:p>
+            <a:r>
+              <a:rPr lang="de-DE" dirty="0"/>
+              <a:t>3 MA</a:t>
+            </a:r>
+          </a:p>
+        </p:txBody>
+      </p:sp>
+      <p:pic>
+        <p:nvPicPr>
+          <p:cNvPr id="6" name="Grafik 5" descr="Ein Bild, das Text, Reihe, Diagramm, Screenshot enthält.&#10;&#10;KI-generierte Inhalte können fehlerhaft sein.">
+            <a:extLst>
+              <a:ext uri="{FF2B5EF4-FFF2-40B4-BE49-F238E27FC236}">
+                <a16:creationId xmlns:a16="http://schemas.microsoft.com/office/drawing/2014/main" id="{876C2851-8F5B-4483-15C9-4299F1E16DAD}"/>
+              </a:ext>
+            </a:extLst>
+          </p:cNvPr>
+          <p:cNvPicPr>
+            <a:picLocks noChangeAspect="1"/>
+          </p:cNvPicPr>
+          <p:nvPr/>
+        </p:nvPicPr>
+        <p:blipFill>
+          <a:blip r:embed="rId2">
+            <a:extLst>
+              <a:ext uri="{28A0092B-C50C-407E-A947-70E740481C1C}">
+                <a14:useLocalDpi xmlns:a14="http://schemas.microsoft.com/office/drawing/2010/main" val="0"/>
+              </a:ext>
+            </a:extLst>
+          </a:blip>
+          <a:stretch>
+            <a:fillRect/>
+          </a:stretch>
+        </p:blipFill>
+        <p:spPr>
+          <a:xfrm>
+            <a:off x="848710" y="586718"/>
+            <a:ext cx="11343290" cy="6144282"/>
+          </a:xfrm>
+          <a:prstGeom prst="rect">
+            <a:avLst/>
+          </a:prstGeom>
+        </p:spPr>
+      </p:pic>
+    </p:spTree>
+    <p:extLst>
+      <p:ext uri="{BB962C8B-B14F-4D97-AF65-F5344CB8AC3E}">
+        <p14:creationId xmlns:p14="http://schemas.microsoft.com/office/powerpoint/2010/main" val="2695070679"/>
+      </p:ext>
+    </p:extLst>
+  </p:cSld>
+  <p:clrMapOvr>
+    <a:masterClrMapping/>
+  </p:clrMapOvr>
+</p:sld>
+</file>
+
+<file path=ppt/slides/slide23.xml><?xml version="1.0" encoding="utf-8"?>
+<p:sld xmlns:a="http://schemas.openxmlformats.org/drawingml/2006/main" xmlns:r="http://schemas.openxmlformats.org/officeDocument/2006/relationships" xmlns:p="http://schemas.openxmlformats.org/presentationml/2006/main">
+  <p:cSld>
+    <p:spTree>
+      <p:nvGrpSpPr>
+        <p:cNvPr id="1" name=""/>
+        <p:cNvGrpSpPr/>
+        <p:nvPr/>
+      </p:nvGrpSpPr>
+      <p:grpSpPr>
+        <a:xfrm>
+          <a:off x="0" y="0"/>
+          <a:ext cx="0" cy="0"/>
+          <a:chOff x="0" y="0"/>
+          <a:chExt cx="0" cy="0"/>
+        </a:xfrm>
+      </p:grpSpPr>
+      <p:sp>
+        <p:nvSpPr>
+          <p:cNvPr id="2" name="Titel 1">
+            <a:extLst>
+              <a:ext uri="{FF2B5EF4-FFF2-40B4-BE49-F238E27FC236}">
+                <a16:creationId xmlns:a16="http://schemas.microsoft.com/office/drawing/2014/main" id="{57F3D6D1-48A7-253B-56D8-F2F75A1BAF23}"/>
+              </a:ext>
+            </a:extLst>
+          </p:cNvPr>
+          <p:cNvSpPr>
+            <a:spLocks noGrp="1"/>
+          </p:cNvSpPr>
+          <p:nvPr>
+            <p:ph type="title"/>
+          </p:nvPr>
+        </p:nvSpPr>
+        <p:spPr>
+          <a:xfrm>
+            <a:off x="827690" y="-307530"/>
+            <a:ext cx="10515600" cy="1325563"/>
+          </a:xfrm>
+        </p:spPr>
+        <p:txBody>
+          <a:bodyPr/>
+          <a:lstStyle/>
+          <a:p>
+            <a:r>
+              <a:rPr lang="de-DE" dirty="0"/>
+              <a:t>Bollinger Bounce</a:t>
+            </a:r>
+          </a:p>
+        </p:txBody>
+      </p:sp>
+      <p:pic>
+        <p:nvPicPr>
+          <p:cNvPr id="7" name="Grafik 6" descr="Ein Bild, das Text, Diagramm, Reihe, Screenshot enthält.&#10;&#10;KI-generierte Inhalte können fehlerhaft sein.">
+            <a:extLst>
+              <a:ext uri="{FF2B5EF4-FFF2-40B4-BE49-F238E27FC236}">
+                <a16:creationId xmlns:a16="http://schemas.microsoft.com/office/drawing/2014/main" id="{C7C2BB54-D32C-C880-CAC0-0952F00918C2}"/>
+              </a:ext>
+            </a:extLst>
+          </p:cNvPr>
+          <p:cNvPicPr>
+            <a:picLocks noChangeAspect="1"/>
+          </p:cNvPicPr>
+          <p:nvPr/>
+        </p:nvPicPr>
+        <p:blipFill>
+          <a:blip r:embed="rId2">
+            <a:extLst>
+              <a:ext uri="{28A0092B-C50C-407E-A947-70E740481C1C}">
+                <a14:useLocalDpi xmlns:a14="http://schemas.microsoft.com/office/drawing/2010/main" val="0"/>
+              </a:ext>
+            </a:extLst>
+          </a:blip>
+          <a:stretch>
+            <a:fillRect/>
+          </a:stretch>
+        </p:blipFill>
+        <p:spPr>
+          <a:xfrm>
+            <a:off x="1124606" y="736162"/>
+            <a:ext cx="11067393" cy="5994838"/>
+          </a:xfrm>
+          <a:prstGeom prst="rect">
+            <a:avLst/>
+          </a:prstGeom>
+        </p:spPr>
+      </p:pic>
+    </p:spTree>
+    <p:extLst>
+      <p:ext uri="{BB962C8B-B14F-4D97-AF65-F5344CB8AC3E}">
+        <p14:creationId xmlns:p14="http://schemas.microsoft.com/office/powerpoint/2010/main" val="3043653349"/>
+      </p:ext>
+    </p:extLst>
+  </p:cSld>
+  <p:clrMapOvr>
+    <a:masterClrMapping/>
+  </p:clrMapOvr>
+</p:sld>
+</file>
+
+<file path=ppt/slides/slide24.xml><?xml version="1.0" encoding="utf-8"?>
+<p:sld xmlns:a="http://schemas.openxmlformats.org/drawingml/2006/main" xmlns:r="http://schemas.openxmlformats.org/officeDocument/2006/relationships" xmlns:p="http://schemas.openxmlformats.org/presentationml/2006/main">
+  <p:cSld>
+    <p:spTree>
+      <p:nvGrpSpPr>
+        <p:cNvPr id="1" name=""/>
+        <p:cNvGrpSpPr/>
+        <p:nvPr/>
+      </p:nvGrpSpPr>
+      <p:grpSpPr>
+        <a:xfrm>
+          <a:off x="0" y="0"/>
+          <a:ext cx="0" cy="0"/>
+          <a:chOff x="0" y="0"/>
+          <a:chExt cx="0" cy="0"/>
+        </a:xfrm>
+      </p:grpSpPr>
+      <p:sp>
+        <p:nvSpPr>
+          <p:cNvPr id="2" name="Titel 1">
+            <a:extLst>
+              <a:ext uri="{FF2B5EF4-FFF2-40B4-BE49-F238E27FC236}">
+                <a16:creationId xmlns:a16="http://schemas.microsoft.com/office/drawing/2014/main" id="{57F3D6D1-48A7-253B-56D8-F2F75A1BAF23}"/>
+              </a:ext>
+            </a:extLst>
+          </p:cNvPr>
+          <p:cNvSpPr>
+            <a:spLocks noGrp="1"/>
+          </p:cNvSpPr>
+          <p:nvPr>
+            <p:ph type="title"/>
+          </p:nvPr>
+        </p:nvSpPr>
+        <p:spPr>
+          <a:xfrm>
+            <a:off x="827690" y="-307530"/>
+            <a:ext cx="10515600" cy="1325563"/>
+          </a:xfrm>
+        </p:spPr>
+        <p:txBody>
+          <a:bodyPr/>
+          <a:lstStyle/>
+          <a:p>
+            <a:r>
+              <a:rPr lang="de-DE" dirty="0"/>
+              <a:t>MACD </a:t>
+            </a:r>
+            <a:r>
+              <a:rPr lang="de-DE" dirty="0" err="1"/>
+              <a:t>Scalping</a:t>
+            </a:r>
+            <a:endParaRPr lang="de-DE" dirty="0"/>
+          </a:p>
+        </p:txBody>
+      </p:sp>
+      <p:pic>
+        <p:nvPicPr>
+          <p:cNvPr id="6" name="Grafik 5" descr="Ein Bild, das Text, Reihe, Diagramm, Screenshot enthält.&#10;&#10;KI-generierte Inhalte können fehlerhaft sein.">
+            <a:extLst>
+              <a:ext uri="{FF2B5EF4-FFF2-40B4-BE49-F238E27FC236}">
+                <a16:creationId xmlns:a16="http://schemas.microsoft.com/office/drawing/2014/main" id="{1304F835-14FB-3E0E-1823-560CD3398FA3}"/>
+              </a:ext>
+            </a:extLst>
+          </p:cNvPr>
+          <p:cNvPicPr>
+            <a:picLocks noChangeAspect="1"/>
+          </p:cNvPicPr>
+          <p:nvPr/>
+        </p:nvPicPr>
+        <p:blipFill>
+          <a:blip r:embed="rId2">
+            <a:extLst>
+              <a:ext uri="{28A0092B-C50C-407E-A947-70E740481C1C}">
+                <a14:useLocalDpi xmlns:a14="http://schemas.microsoft.com/office/drawing/2010/main" val="0"/>
+              </a:ext>
+            </a:extLst>
+          </a:blip>
+          <a:stretch>
+            <a:fillRect/>
+          </a:stretch>
+        </p:blipFill>
+        <p:spPr>
+          <a:xfrm>
+            <a:off x="1124606" y="736162"/>
+            <a:ext cx="11067393" cy="5994838"/>
+          </a:xfrm>
+          <a:prstGeom prst="rect">
+            <a:avLst/>
+          </a:prstGeom>
+        </p:spPr>
+      </p:pic>
+    </p:spTree>
+    <p:extLst>
+      <p:ext uri="{BB962C8B-B14F-4D97-AF65-F5344CB8AC3E}">
+        <p14:creationId xmlns:p14="http://schemas.microsoft.com/office/powerpoint/2010/main" val="2893168909"/>
+      </p:ext>
+    </p:extLst>
+  </p:cSld>
+  <p:clrMapOvr>
+    <a:masterClrMapping/>
+  </p:clrMapOvr>
+</p:sld>
+</file>
+
+<file path=ppt/slides/slide25.xml><?xml version="1.0" encoding="utf-8"?>
+<p:sld xmlns:a="http://schemas.openxmlformats.org/drawingml/2006/main" xmlns:r="http://schemas.openxmlformats.org/officeDocument/2006/relationships" xmlns:p="http://schemas.openxmlformats.org/presentationml/2006/main">
+  <p:cSld>
+    <p:spTree>
+      <p:nvGrpSpPr>
+        <p:cNvPr id="1" name=""/>
+        <p:cNvGrpSpPr/>
+        <p:nvPr/>
+      </p:nvGrpSpPr>
+      <p:grpSpPr>
+        <a:xfrm>
+          <a:off x="0" y="0"/>
+          <a:ext cx="0" cy="0"/>
+          <a:chOff x="0" y="0"/>
+          <a:chExt cx="0" cy="0"/>
+        </a:xfrm>
+      </p:grpSpPr>
+      <p:sp>
+        <p:nvSpPr>
+          <p:cNvPr id="2" name="Titel 1">
+            <a:extLst>
+              <a:ext uri="{FF2B5EF4-FFF2-40B4-BE49-F238E27FC236}">
+                <a16:creationId xmlns:a16="http://schemas.microsoft.com/office/drawing/2014/main" id="{57F3D6D1-48A7-253B-56D8-F2F75A1BAF23}"/>
+              </a:ext>
+            </a:extLst>
+          </p:cNvPr>
+          <p:cNvSpPr>
+            <a:spLocks noGrp="1"/>
+          </p:cNvSpPr>
+          <p:nvPr>
+            <p:ph type="title"/>
+          </p:nvPr>
+        </p:nvSpPr>
+        <p:spPr>
+          <a:xfrm>
+            <a:off x="827690" y="-307530"/>
+            <a:ext cx="10515600" cy="1325563"/>
+          </a:xfrm>
+        </p:spPr>
+        <p:txBody>
+          <a:bodyPr/>
+          <a:lstStyle/>
+          <a:p>
+            <a:r>
+              <a:rPr lang="de-DE" dirty="0" err="1"/>
+              <a:t>Parabolic</a:t>
+            </a:r>
+            <a:r>
+              <a:rPr lang="de-DE" dirty="0"/>
+              <a:t> SAR</a:t>
+            </a:r>
+          </a:p>
+        </p:txBody>
+      </p:sp>
+      <p:pic>
+        <p:nvPicPr>
+          <p:cNvPr id="6" name="Grafik 5" descr="Ein Bild, das Diagramm, Text, Reihe, Screenshot enthält.&#10;&#10;KI-generierte Inhalte können fehlerhaft sein.">
+            <a:extLst>
+              <a:ext uri="{FF2B5EF4-FFF2-40B4-BE49-F238E27FC236}">
+                <a16:creationId xmlns:a16="http://schemas.microsoft.com/office/drawing/2014/main" id="{A9B4A725-38B5-8A7D-F438-18173DE083E4}"/>
+              </a:ext>
+            </a:extLst>
+          </p:cNvPr>
+          <p:cNvPicPr>
+            <a:picLocks noChangeAspect="1"/>
+          </p:cNvPicPr>
+          <p:nvPr/>
+        </p:nvPicPr>
+        <p:blipFill>
+          <a:blip r:embed="rId2">
+            <a:extLst>
+              <a:ext uri="{28A0092B-C50C-407E-A947-70E740481C1C}">
+                <a14:useLocalDpi xmlns:a14="http://schemas.microsoft.com/office/drawing/2010/main" val="0"/>
+              </a:ext>
+            </a:extLst>
+          </a:blip>
+          <a:stretch>
+            <a:fillRect/>
+          </a:stretch>
+        </p:blipFill>
+        <p:spPr>
+          <a:xfrm>
+            <a:off x="1219200" y="787400"/>
+            <a:ext cx="10972800" cy="5943600"/>
+          </a:xfrm>
+          <a:prstGeom prst="rect">
+            <a:avLst/>
+          </a:prstGeom>
+        </p:spPr>
+      </p:pic>
+    </p:spTree>
+    <p:extLst>
+      <p:ext uri="{BB962C8B-B14F-4D97-AF65-F5344CB8AC3E}">
+        <p14:creationId xmlns:p14="http://schemas.microsoft.com/office/powerpoint/2010/main" val="1262768091"/>
+      </p:ext>
+    </p:extLst>
+  </p:cSld>
+  <p:clrMapOvr>
+    <a:masterClrMapping/>
+  </p:clrMapOvr>
+</p:sld>
+</file>
+
+<file path=ppt/slides/slide26.xml><?xml version="1.0" encoding="utf-8"?>
+<p:sld xmlns:a="http://schemas.openxmlformats.org/drawingml/2006/main" xmlns:r="http://schemas.openxmlformats.org/officeDocument/2006/relationships" xmlns:p="http://schemas.openxmlformats.org/presentationml/2006/main">
+  <p:cSld>
+    <p:spTree>
+      <p:nvGrpSpPr>
+        <p:cNvPr id="1" name=""/>
+        <p:cNvGrpSpPr/>
+        <p:nvPr/>
+      </p:nvGrpSpPr>
+      <p:grpSpPr>
+        <a:xfrm>
+          <a:off x="0" y="0"/>
+          <a:ext cx="0" cy="0"/>
+          <a:chOff x="0" y="0"/>
+          <a:chExt cx="0" cy="0"/>
+        </a:xfrm>
+      </p:grpSpPr>
+      <p:sp>
+        <p:nvSpPr>
+          <p:cNvPr id="2" name="Titel 1">
+            <a:extLst>
+              <a:ext uri="{FF2B5EF4-FFF2-40B4-BE49-F238E27FC236}">
+                <a16:creationId xmlns:a16="http://schemas.microsoft.com/office/drawing/2014/main" id="{57F3D6D1-48A7-253B-56D8-F2F75A1BAF23}"/>
+              </a:ext>
+            </a:extLst>
+          </p:cNvPr>
+          <p:cNvSpPr>
+            <a:spLocks noGrp="1"/>
+          </p:cNvSpPr>
+          <p:nvPr>
+            <p:ph type="title"/>
+          </p:nvPr>
+        </p:nvSpPr>
+        <p:spPr>
+          <a:xfrm>
+            <a:off x="827690" y="-307530"/>
+            <a:ext cx="10515600" cy="1325563"/>
+          </a:xfrm>
+        </p:spPr>
+        <p:txBody>
+          <a:bodyPr/>
+          <a:lstStyle/>
+          <a:p>
+            <a:r>
+              <a:rPr lang="de-DE" dirty="0"/>
+              <a:t>RSI </a:t>
+            </a:r>
+            <a:r>
+              <a:rPr lang="de-DE" dirty="0" err="1"/>
+              <a:t>Overbought</a:t>
+            </a:r>
+            <a:r>
+              <a:rPr lang="de-DE" dirty="0"/>
+              <a:t> </a:t>
+            </a:r>
+            <a:r>
+              <a:rPr lang="de-DE" dirty="0" err="1"/>
+              <a:t>Oversold</a:t>
+            </a:r>
+            <a:endParaRPr lang="de-DE" dirty="0"/>
+          </a:p>
+        </p:txBody>
+      </p:sp>
+      <p:pic>
+        <p:nvPicPr>
+          <p:cNvPr id="6" name="Grafik 5" descr="Ein Bild, das Text, Reihe, Diagramm, Screenshot enthält.&#10;&#10;KI-generierte Inhalte können fehlerhaft sein.">
+            <a:extLst>
+              <a:ext uri="{FF2B5EF4-FFF2-40B4-BE49-F238E27FC236}">
+                <a16:creationId xmlns:a16="http://schemas.microsoft.com/office/drawing/2014/main" id="{AE43D5CB-4B3C-DD58-1FF8-5314B458B557}"/>
+              </a:ext>
+            </a:extLst>
+          </p:cNvPr>
+          <p:cNvPicPr>
+            <a:picLocks noChangeAspect="1"/>
+          </p:cNvPicPr>
+          <p:nvPr/>
+        </p:nvPicPr>
+        <p:blipFill>
+          <a:blip r:embed="rId2">
+            <a:extLst>
+              <a:ext uri="{28A0092B-C50C-407E-A947-70E740481C1C}">
+                <a14:useLocalDpi xmlns:a14="http://schemas.microsoft.com/office/drawing/2010/main" val="0"/>
+              </a:ext>
+            </a:extLst>
+          </a:blip>
+          <a:stretch>
+            <a:fillRect/>
+          </a:stretch>
+        </p:blipFill>
+        <p:spPr>
+          <a:xfrm>
+            <a:off x="1124606" y="736162"/>
+            <a:ext cx="11067393" cy="5994838"/>
+          </a:xfrm>
+          <a:prstGeom prst="rect">
+            <a:avLst/>
+          </a:prstGeom>
+        </p:spPr>
+      </p:pic>
+    </p:spTree>
+    <p:extLst>
+      <p:ext uri="{BB962C8B-B14F-4D97-AF65-F5344CB8AC3E}">
+        <p14:creationId xmlns:p14="http://schemas.microsoft.com/office/powerpoint/2010/main" val="3835933462"/>
+      </p:ext>
+    </p:extLst>
+  </p:cSld>
+  <p:clrMapOvr>
+    <a:masterClrMapping/>
+  </p:clrMapOvr>
+</p:sld>
+</file>
+
+<file path=ppt/slides/slide27.xml><?xml version="1.0" encoding="utf-8"?>
+<p:sld xmlns:a="http://schemas.openxmlformats.org/drawingml/2006/main" xmlns:r="http://schemas.openxmlformats.org/officeDocument/2006/relationships" xmlns:p="http://schemas.openxmlformats.org/presentationml/2006/main">
+  <p:cSld>
+    <p:spTree>
+      <p:nvGrpSpPr>
+        <p:cNvPr id="1" name=""/>
+        <p:cNvGrpSpPr/>
+        <p:nvPr/>
+      </p:nvGrpSpPr>
+      <p:grpSpPr>
+        <a:xfrm>
+          <a:off x="0" y="0"/>
+          <a:ext cx="0" cy="0"/>
+          <a:chOff x="0" y="0"/>
+          <a:chExt cx="0" cy="0"/>
+        </a:xfrm>
+      </p:grpSpPr>
+      <p:sp>
+        <p:nvSpPr>
+          <p:cNvPr id="2" name="Titel 1">
+            <a:extLst>
+              <a:ext uri="{FF2B5EF4-FFF2-40B4-BE49-F238E27FC236}">
+                <a16:creationId xmlns:a16="http://schemas.microsoft.com/office/drawing/2014/main" id="{57F3D6D1-48A7-253B-56D8-F2F75A1BAF23}"/>
+              </a:ext>
+            </a:extLst>
+          </p:cNvPr>
+          <p:cNvSpPr>
+            <a:spLocks noGrp="1"/>
+          </p:cNvSpPr>
+          <p:nvPr>
+            <p:ph type="title"/>
+          </p:nvPr>
+        </p:nvSpPr>
+        <p:spPr>
+          <a:xfrm>
+            <a:off x="827690" y="-307530"/>
+            <a:ext cx="10515600" cy="1325563"/>
+          </a:xfrm>
+        </p:spPr>
+        <p:txBody>
+          <a:bodyPr/>
+          <a:lstStyle/>
+          <a:p>
+            <a:r>
+              <a:rPr lang="de-DE" dirty="0"/>
+              <a:t>Chart Pattern</a:t>
+            </a:r>
+          </a:p>
+        </p:txBody>
+      </p:sp>
+      <p:pic>
+        <p:nvPicPr>
+          <p:cNvPr id="6" name="Grafik 5" descr="Ein Bild, das Text, Diagramm, Reihe, Screenshot enthält.&#10;&#10;KI-generierte Inhalte können fehlerhaft sein.">
+            <a:extLst>
+              <a:ext uri="{FF2B5EF4-FFF2-40B4-BE49-F238E27FC236}">
+                <a16:creationId xmlns:a16="http://schemas.microsoft.com/office/drawing/2014/main" id="{5F1CB308-8D86-8A36-5329-0D154E560509}"/>
+              </a:ext>
+            </a:extLst>
+          </p:cNvPr>
+          <p:cNvPicPr>
+            <a:picLocks noChangeAspect="1"/>
+          </p:cNvPicPr>
+          <p:nvPr/>
+        </p:nvPicPr>
+        <p:blipFill>
+          <a:blip r:embed="rId2">
+            <a:extLst>
+              <a:ext uri="{28A0092B-C50C-407E-A947-70E740481C1C}">
+                <a14:useLocalDpi xmlns:a14="http://schemas.microsoft.com/office/drawing/2010/main" val="0"/>
+              </a:ext>
+            </a:extLst>
+          </a:blip>
+          <a:stretch>
+            <a:fillRect/>
+          </a:stretch>
+        </p:blipFill>
+        <p:spPr>
+          <a:xfrm>
+            <a:off x="1082566" y="713390"/>
+            <a:ext cx="11109434" cy="6017610"/>
+          </a:xfrm>
+          <a:prstGeom prst="rect">
+            <a:avLst/>
+          </a:prstGeom>
+        </p:spPr>
+      </p:pic>
+    </p:spTree>
+    <p:extLst>
+      <p:ext uri="{BB962C8B-B14F-4D97-AF65-F5344CB8AC3E}">
+        <p14:creationId xmlns:p14="http://schemas.microsoft.com/office/powerpoint/2010/main" val="2189778475"/>
       </p:ext>
     </p:extLst>
   </p:cSld>
